--- a/source/MySEProject/Documentation/Project Presentation.pptx
+++ b/source/MySEProject/Documentation/Project Presentation.pptx
@@ -118,13 +118,18 @@
       </a:defRPr>
     </a:lvl9pPr>
   </p:defaultTextStyle>
+  <p:extLst>
+    <p:ext uri="{EFAFB233-063F-42B5-8137-9DF3F51BA10A}">
+      <p15:sldGuideLst xmlns:p15="http://schemas.microsoft.com/office/powerpoint/2012/main"/>
+    </p:ext>
+  </p:extLst>
 </p:presentation>
 </file>
 
 <file path=ppt/revisionInfo.xml><?xml version="1.0" encoding="utf-8"?>
 <p1510:revInfo xmlns:a="http://schemas.openxmlformats.org/drawingml/2006/main" xmlns:r="http://schemas.openxmlformats.org/officeDocument/2006/relationships" xmlns:p1510="http://schemas.microsoft.com/office/powerpoint/2015/10/main">
   <p1510:revLst>
-    <p1510:client id="{1D218C77-BD1C-4EE4-A4AE-93B300EFBDB5}" v="13" dt="2022-03-30T19:06:07.157"/>
+    <p1510:client id="{1D218C77-BD1C-4EE4-A4AE-93B300EFBDB5}" v="20" dt="2022-03-30T22:36:17.905"/>
   </p1510:revLst>
 </p1510:revInfo>
 </file>
@@ -134,7 +139,7 @@
   <pc:docChgLst>
     <pc:chgData name="Mandar Patkar" userId="dea28d49ea53da6a" providerId="LiveId" clId="{1D218C77-BD1C-4EE4-A4AE-93B300EFBDB5}"/>
     <pc:docChg chg="undo custSel addSld delSld modSld sldOrd">
-      <pc:chgData name="Mandar Patkar" userId="dea28d49ea53da6a" providerId="LiveId" clId="{1D218C77-BD1C-4EE4-A4AE-93B300EFBDB5}" dt="2022-03-30T19:11:03.302" v="2357" actId="20577"/>
+      <pc:chgData name="Mandar Patkar" userId="dea28d49ea53da6a" providerId="LiveId" clId="{1D218C77-BD1C-4EE4-A4AE-93B300EFBDB5}" dt="2022-03-30T22:37:23.310" v="2448" actId="26606"/>
       <pc:docMkLst>
         <pc:docMk/>
       </pc:docMkLst>
@@ -167,6 +172,141 @@
             <ac:spMk id="2" creationId="{47920A6F-DF6A-4AD5-92F1-C8072DDD22E8}"/>
           </ac:spMkLst>
         </pc:spChg>
+      </pc:sldChg>
+      <pc:sldChg chg="addSp delSp modSp mod setBg">
+        <pc:chgData name="Mandar Patkar" userId="dea28d49ea53da6a" providerId="LiveId" clId="{1D218C77-BD1C-4EE4-A4AE-93B300EFBDB5}" dt="2022-03-30T22:37:23.310" v="2448" actId="26606"/>
+        <pc:sldMkLst>
+          <pc:docMk/>
+          <pc:sldMk cId="2147973648" sldId="264"/>
+        </pc:sldMkLst>
+        <pc:spChg chg="mod">
+          <ac:chgData name="Mandar Patkar" userId="dea28d49ea53da6a" providerId="LiveId" clId="{1D218C77-BD1C-4EE4-A4AE-93B300EFBDB5}" dt="2022-03-30T22:37:23.310" v="2448" actId="26606"/>
+          <ac:spMkLst>
+            <pc:docMk/>
+            <pc:sldMk cId="2147973648" sldId="264"/>
+            <ac:spMk id="2" creationId="{54FB1620-85FB-4E98-8093-556B659F5066}"/>
+          </ac:spMkLst>
+        </pc:spChg>
+        <pc:spChg chg="mod ord">
+          <ac:chgData name="Mandar Patkar" userId="dea28d49ea53da6a" providerId="LiveId" clId="{1D218C77-BD1C-4EE4-A4AE-93B300EFBDB5}" dt="2022-03-30T22:37:23.310" v="2448" actId="26606"/>
+          <ac:spMkLst>
+            <pc:docMk/>
+            <pc:sldMk cId="2147973648" sldId="264"/>
+            <ac:spMk id="3" creationId="{4C4DA684-6168-4925-93FE-FA30EBB0FC3C}"/>
+          </ac:spMkLst>
+        </pc:spChg>
+        <pc:spChg chg="add del">
+          <ac:chgData name="Mandar Patkar" userId="dea28d49ea53da6a" providerId="LiveId" clId="{1D218C77-BD1C-4EE4-A4AE-93B300EFBDB5}" dt="2022-03-30T22:37:16.855" v="2445" actId="26606"/>
+          <ac:spMkLst>
+            <pc:docMk/>
+            <pc:sldMk cId="2147973648" sldId="264"/>
+            <ac:spMk id="72" creationId="{2C9A9DA9-7DC8-488B-A882-123947B0F3D9}"/>
+          </ac:spMkLst>
+        </pc:spChg>
+        <pc:spChg chg="add del">
+          <ac:chgData name="Mandar Patkar" userId="dea28d49ea53da6a" providerId="LiveId" clId="{1D218C77-BD1C-4EE4-A4AE-93B300EFBDB5}" dt="2022-03-30T22:37:16.855" v="2445" actId="26606"/>
+          <ac:spMkLst>
+            <pc:docMk/>
+            <pc:sldMk cId="2147973648" sldId="264"/>
+            <ac:spMk id="74" creationId="{57F6BDD4-E066-4008-8011-6CC31AEB4556}"/>
+          </ac:spMkLst>
+        </pc:spChg>
+        <pc:spChg chg="add del">
+          <ac:chgData name="Mandar Patkar" userId="dea28d49ea53da6a" providerId="LiveId" clId="{1D218C77-BD1C-4EE4-A4AE-93B300EFBDB5}" dt="2022-03-30T22:37:16.855" v="2445" actId="26606"/>
+          <ac:spMkLst>
+            <pc:docMk/>
+            <pc:sldMk cId="2147973648" sldId="264"/>
+            <ac:spMk id="76" creationId="{2711A8FB-68FC-45FC-B01E-38F809E2D439}"/>
+          </ac:spMkLst>
+        </pc:spChg>
+        <pc:spChg chg="add del">
+          <ac:chgData name="Mandar Patkar" userId="dea28d49ea53da6a" providerId="LiveId" clId="{1D218C77-BD1C-4EE4-A4AE-93B300EFBDB5}" dt="2022-03-30T22:37:16.855" v="2445" actId="26606"/>
+          <ac:spMkLst>
+            <pc:docMk/>
+            <pc:sldMk cId="2147973648" sldId="264"/>
+            <ac:spMk id="78" creationId="{2A865FE3-5FC9-4049-87CF-30019C46C0F5}"/>
+          </ac:spMkLst>
+        </pc:spChg>
+        <pc:spChg chg="add del">
+          <ac:chgData name="Mandar Patkar" userId="dea28d49ea53da6a" providerId="LiveId" clId="{1D218C77-BD1C-4EE4-A4AE-93B300EFBDB5}" dt="2022-03-30T22:37:23.304" v="2447" actId="26606"/>
+          <ac:spMkLst>
+            <pc:docMk/>
+            <pc:sldMk cId="2147973648" sldId="264"/>
+            <ac:spMk id="80" creationId="{7A5F0580-5EE9-419F-96EE-B6529EF6E7D0}"/>
+          </ac:spMkLst>
+        </pc:spChg>
+        <pc:spChg chg="add del">
+          <ac:chgData name="Mandar Patkar" userId="dea28d49ea53da6a" providerId="LiveId" clId="{1D218C77-BD1C-4EE4-A4AE-93B300EFBDB5}" dt="2022-03-30T22:37:23.304" v="2447" actId="26606"/>
+          <ac:spMkLst>
+            <pc:docMk/>
+            <pc:sldMk cId="2147973648" sldId="264"/>
+            <ac:spMk id="1029" creationId="{5C9B446A-6343-4E56-90BA-061E4DDF0FFB}"/>
+          </ac:spMkLst>
+        </pc:spChg>
+        <pc:spChg chg="add del">
+          <ac:chgData name="Mandar Patkar" userId="dea28d49ea53da6a" providerId="LiveId" clId="{1D218C77-BD1C-4EE4-A4AE-93B300EFBDB5}" dt="2022-03-30T22:37:23.304" v="2447" actId="26606"/>
+          <ac:spMkLst>
+            <pc:docMk/>
+            <pc:sldMk cId="2147973648" sldId="264"/>
+            <ac:spMk id="1030" creationId="{3EC72A1B-03D3-499C-B4BF-AC68EEC22B10}"/>
+          </ac:spMkLst>
+        </pc:spChg>
+        <pc:spChg chg="add del">
+          <ac:chgData name="Mandar Patkar" userId="dea28d49ea53da6a" providerId="LiveId" clId="{1D218C77-BD1C-4EE4-A4AE-93B300EFBDB5}" dt="2022-03-30T22:37:23.304" v="2447" actId="26606"/>
+          <ac:spMkLst>
+            <pc:docMk/>
+            <pc:sldMk cId="2147973648" sldId="264"/>
+            <ac:spMk id="1031" creationId="{216322C2-3CF0-4D33-BF90-3F384CF6D232}"/>
+          </ac:spMkLst>
+        </pc:spChg>
+        <pc:spChg chg="add del">
+          <ac:chgData name="Mandar Patkar" userId="dea28d49ea53da6a" providerId="LiveId" clId="{1D218C77-BD1C-4EE4-A4AE-93B300EFBDB5}" dt="2022-03-30T22:37:23.304" v="2447" actId="26606"/>
+          <ac:spMkLst>
+            <pc:docMk/>
+            <pc:sldMk cId="2147973648" sldId="264"/>
+            <ac:spMk id="1032" creationId="{55D4142C-5077-457F-A6AD-3FECFDB39685}"/>
+          </ac:spMkLst>
+        </pc:spChg>
+        <pc:spChg chg="add">
+          <ac:chgData name="Mandar Patkar" userId="dea28d49ea53da6a" providerId="LiveId" clId="{1D218C77-BD1C-4EE4-A4AE-93B300EFBDB5}" dt="2022-03-30T22:37:23.310" v="2448" actId="26606"/>
+          <ac:spMkLst>
+            <pc:docMk/>
+            <pc:sldMk cId="2147973648" sldId="264"/>
+            <ac:spMk id="1034" creationId="{92468898-5A6E-4D55-85EC-308E785EE06C}"/>
+          </ac:spMkLst>
+        </pc:spChg>
+        <pc:spChg chg="add">
+          <ac:chgData name="Mandar Patkar" userId="dea28d49ea53da6a" providerId="LiveId" clId="{1D218C77-BD1C-4EE4-A4AE-93B300EFBDB5}" dt="2022-03-30T22:37:23.310" v="2448" actId="26606"/>
+          <ac:spMkLst>
+            <pc:docMk/>
+            <pc:sldMk cId="2147973648" sldId="264"/>
+            <ac:spMk id="1035" creationId="{3E23A947-2D45-4208-AE2B-64948C87A3EB}"/>
+          </ac:spMkLst>
+        </pc:spChg>
+        <pc:spChg chg="add">
+          <ac:chgData name="Mandar Patkar" userId="dea28d49ea53da6a" providerId="LiveId" clId="{1D218C77-BD1C-4EE4-A4AE-93B300EFBDB5}" dt="2022-03-30T22:37:23.310" v="2448" actId="26606"/>
+          <ac:spMkLst>
+            <pc:docMk/>
+            <pc:sldMk cId="2147973648" sldId="264"/>
+            <ac:spMk id="1036" creationId="{E5BBB0F9-6A59-4D02-A9C7-A2D6516684CE}"/>
+          </ac:spMkLst>
+        </pc:spChg>
+        <pc:picChg chg="add del mod">
+          <ac:chgData name="Mandar Patkar" userId="dea28d49ea53da6a" providerId="LiveId" clId="{1D218C77-BD1C-4EE4-A4AE-93B300EFBDB5}" dt="2022-03-30T22:35:51.684" v="2361"/>
+          <ac:picMkLst>
+            <pc:docMk/>
+            <pc:sldMk cId="2147973648" sldId="264"/>
+            <ac:picMk id="1026" creationId="{BCBF6541-AF6A-45FD-859F-E93450B98403}"/>
+          </ac:picMkLst>
+        </pc:picChg>
+        <pc:picChg chg="add mod">
+          <ac:chgData name="Mandar Patkar" userId="dea28d49ea53da6a" providerId="LiveId" clId="{1D218C77-BD1C-4EE4-A4AE-93B300EFBDB5}" dt="2022-03-30T22:37:23.310" v="2448" actId="26606"/>
+          <ac:picMkLst>
+            <pc:docMk/>
+            <pc:sldMk cId="2147973648" sldId="264"/>
+            <ac:picMk id="1027" creationId="{F9E6530D-C19E-4F92-8FE5-B856EA8F414D}"/>
+          </ac:picMkLst>
+        </pc:picChg>
       </pc:sldChg>
       <pc:sldChg chg="modSp mod">
         <pc:chgData name="Mandar Patkar" userId="dea28d49ea53da6a" providerId="LiveId" clId="{1D218C77-BD1C-4EE4-A4AE-93B300EFBDB5}" dt="2022-03-30T16:35:05.626" v="2192" actId="20577"/>
@@ -570,7 +710,7 @@
           <a:p>
             <a:fld id="{02AC24A9-CCB6-4F8D-B8DB-C2F3692CFA5A}" type="datetimeFigureOut">
               <a:rPr lang="en-US" smtClean="0"/>
-              <a:t>3/29/2022</a:t>
+              <a:t>3/31/2022</a:t>
             </a:fld>
             <a:endParaRPr lang="en-US" dirty="0"/>
           </a:p>
@@ -940,7 +1080,7 @@
           <a:p>
             <a:fld id="{02AC24A9-CCB6-4F8D-B8DB-C2F3692CFA5A}" type="datetimeFigureOut">
               <a:rPr lang="en-US" smtClean="0"/>
-              <a:t>3/29/2022</a:t>
+              <a:t>3/31/2022</a:t>
             </a:fld>
             <a:endParaRPr lang="en-US"/>
           </a:p>
@@ -1149,7 +1289,7 @@
           <a:p>
             <a:fld id="{02AC24A9-CCB6-4F8D-B8DB-C2F3692CFA5A}" type="datetimeFigureOut">
               <a:rPr lang="en-US" smtClean="0"/>
-              <a:t>3/29/2022</a:t>
+              <a:t>3/31/2022</a:t>
             </a:fld>
             <a:endParaRPr lang="en-US"/>
           </a:p>
@@ -1619,7 +1759,7 @@
           <a:p>
             <a:fld id="{02AC24A9-CCB6-4F8D-B8DB-C2F3692CFA5A}" type="datetimeFigureOut">
               <a:rPr lang="en-US" smtClean="0"/>
-              <a:t>3/29/2022</a:t>
+              <a:t>3/31/2022</a:t>
             </a:fld>
             <a:endParaRPr lang="en-US"/>
           </a:p>
@@ -2073,7 +2213,7 @@
           <a:p>
             <a:fld id="{02AC24A9-CCB6-4F8D-B8DB-C2F3692CFA5A}" type="datetimeFigureOut">
               <a:rPr lang="en-US" smtClean="0"/>
-              <a:t>3/29/2022</a:t>
+              <a:t>3/31/2022</a:t>
             </a:fld>
             <a:endParaRPr lang="en-US"/>
           </a:p>
@@ -2605,7 +2745,7 @@
           <a:p>
             <a:fld id="{02AC24A9-CCB6-4F8D-B8DB-C2F3692CFA5A}" type="datetimeFigureOut">
               <a:rPr lang="en-US" smtClean="0"/>
-              <a:t>3/29/2022</a:t>
+              <a:t>3/31/2022</a:t>
             </a:fld>
             <a:endParaRPr lang="en-US"/>
           </a:p>
@@ -3304,7 +3444,7 @@
           <a:p>
             <a:fld id="{02AC24A9-CCB6-4F8D-B8DB-C2F3692CFA5A}" type="datetimeFigureOut">
               <a:rPr lang="en-US" smtClean="0"/>
-              <a:t>3/29/2022</a:t>
+              <a:t>3/31/2022</a:t>
             </a:fld>
             <a:endParaRPr lang="en-US"/>
           </a:p>
@@ -3633,7 +3773,7 @@
           <a:p>
             <a:fld id="{02AC24A9-CCB6-4F8D-B8DB-C2F3692CFA5A}" type="datetimeFigureOut">
               <a:rPr lang="en-US" smtClean="0"/>
-              <a:t>3/29/2022</a:t>
+              <a:t>3/31/2022</a:t>
             </a:fld>
             <a:endParaRPr lang="en-US"/>
           </a:p>
@@ -3746,7 +3886,7 @@
           <a:p>
             <a:fld id="{02AC24A9-CCB6-4F8D-B8DB-C2F3692CFA5A}" type="datetimeFigureOut">
               <a:rPr lang="en-US" smtClean="0"/>
-              <a:t>3/29/2022</a:t>
+              <a:t>3/31/2022</a:t>
             </a:fld>
             <a:endParaRPr lang="en-US"/>
           </a:p>
@@ -4241,7 +4381,7 @@
           <a:p>
             <a:fld id="{02AC24A9-CCB6-4F8D-B8DB-C2F3692CFA5A}" type="datetimeFigureOut">
               <a:rPr lang="en-US" smtClean="0"/>
-              <a:t>3/29/2022</a:t>
+              <a:t>3/31/2022</a:t>
             </a:fld>
             <a:endParaRPr lang="en-US" dirty="0"/>
           </a:p>
@@ -4718,7 +4858,7 @@
           <a:p>
             <a:fld id="{02AC24A9-CCB6-4F8D-B8DB-C2F3692CFA5A}" type="datetimeFigureOut">
               <a:rPr lang="en-US" smtClean="0"/>
-              <a:t>3/29/2022</a:t>
+              <a:t>3/31/2022</a:t>
             </a:fld>
             <a:endParaRPr lang="en-US"/>
           </a:p>
@@ -4961,7 +5101,7 @@
           <a:p>
             <a:fld id="{02AC24A9-CCB6-4F8D-B8DB-C2F3692CFA5A}" type="datetimeFigureOut">
               <a:rPr lang="en-US" smtClean="0"/>
-              <a:t>3/29/2022</a:t>
+              <a:t>3/31/2022</a:t>
             </a:fld>
             <a:endParaRPr lang="en-US"/>
           </a:p>
@@ -6544,6 +6684,14 @@
 <file path=ppt/slides/slide13.xml><?xml version="1.0" encoding="utf-8"?>
 <p:sld xmlns:a="http://schemas.openxmlformats.org/drawingml/2006/main" xmlns:r="http://schemas.openxmlformats.org/officeDocument/2006/relationships" xmlns:p="http://schemas.openxmlformats.org/presentationml/2006/main">
   <p:cSld>
+    <p:bg>
+      <p:bgPr>
+        <a:solidFill>
+          <a:schemeClr val="bg1"/>
+        </a:solidFill>
+        <a:effectLst/>
+      </p:bgPr>
+    </p:bg>
     <p:spTree>
       <p:nvGrpSpPr>
         <p:cNvPr id="1" name=""/>
@@ -6558,6 +6706,66 @@
           <a:chExt cx="0" cy="0"/>
         </a:xfrm>
       </p:grpSpPr>
+      <p:sp useBgFill="1">
+        <p:nvSpPr>
+          <p:cNvPr id="1034" name="Rectangle 71">
+            <a:extLst>
+              <a:ext uri="{FF2B5EF4-FFF2-40B4-BE49-F238E27FC236}">
+                <a16:creationId xmlns:a16="http://schemas.microsoft.com/office/drawing/2014/main" id="{92468898-5A6E-4D55-85EC-308E785EE06C}"/>
+              </a:ext>
+              <a:ext uri="{C183D7F6-B498-43B3-948B-1728B52AA6E4}">
+                <adec:decorative xmlns:adec="http://schemas.microsoft.com/office/drawing/2017/decorative" val="1"/>
+              </a:ext>
+            </a:extLst>
+          </p:cNvPr>
+          <p:cNvSpPr>
+            <a:spLocks noGrp="1" noRot="1" noChangeAspect="1" noMove="1" noResize="1" noEditPoints="1" noAdjustHandles="1" noChangeArrowheads="1" noChangeShapeType="1" noTextEdit="1"/>
+          </p:cNvSpPr>
+          <p:nvPr>
+            <p:extLst>
+              <p:ext uri="{386F3935-93C4-4BCD-93E2-E3B085C9AB24}">
+                <p16:designElem xmlns:p16="http://schemas.microsoft.com/office/powerpoint/2015/main" val="1"/>
+              </p:ext>
+            </p:extLst>
+          </p:nvPr>
+        </p:nvSpPr>
+        <p:spPr>
+          <a:xfrm>
+            <a:off x="0" y="0"/>
+            <a:ext cx="12192000" cy="6858000"/>
+          </a:xfrm>
+          <a:prstGeom prst="rect">
+            <a:avLst/>
+          </a:prstGeom>
+          <a:ln>
+            <a:noFill/>
+          </a:ln>
+        </p:spPr>
+        <p:style>
+          <a:lnRef idx="2">
+            <a:schemeClr val="accent1">
+              <a:shade val="50000"/>
+            </a:schemeClr>
+          </a:lnRef>
+          <a:fillRef idx="1">
+            <a:schemeClr val="accent1"/>
+          </a:fillRef>
+          <a:effectRef idx="0">
+            <a:schemeClr val="accent1"/>
+          </a:effectRef>
+          <a:fontRef idx="minor">
+            <a:schemeClr val="lt1"/>
+          </a:fontRef>
+        </p:style>
+        <p:txBody>
+          <a:bodyPr rtlCol="0" anchor="ctr"/>
+          <a:lstStyle/>
+          <a:p>
+            <a:pPr algn="ctr"/>
+            <a:endParaRPr lang="en-US"/>
+          </a:p>
+        </p:txBody>
+      </p:sp>
       <p:sp>
         <p:nvSpPr>
           <p:cNvPr id="2" name="Title 1">
@@ -6574,15 +6782,272 @@
             <p:ph type="title"/>
           </p:nvPr>
         </p:nvSpPr>
-        <p:spPr/>
-        <p:txBody>
-          <a:bodyPr/>
+        <p:spPr>
+          <a:xfrm>
+            <a:off x="429768" y="411480"/>
+            <a:ext cx="11201400" cy="1106424"/>
+          </a:xfrm>
+        </p:spPr>
+        <p:txBody>
+          <a:bodyPr>
+            <a:normAutofit/>
+          </a:bodyPr>
           <a:lstStyle/>
           <a:p>
             <a:r>
-              <a:rPr lang="en-IN" dirty="0"/>
+              <a:rPr lang="en-IN" sz="3600"/>
               <a:t>Results</a:t>
             </a:r>
+          </a:p>
+        </p:txBody>
+      </p:sp>
+      <p:sp>
+        <p:nvSpPr>
+          <p:cNvPr id="1035" name="Rectangle 73">
+            <a:extLst>
+              <a:ext uri="{FF2B5EF4-FFF2-40B4-BE49-F238E27FC236}">
+                <a16:creationId xmlns:a16="http://schemas.microsoft.com/office/drawing/2014/main" id="{3E23A947-2D45-4208-AE2B-64948C87A3EB}"/>
+              </a:ext>
+              <a:ext uri="{C183D7F6-B498-43B3-948B-1728B52AA6E4}">
+                <adec:decorative xmlns:adec="http://schemas.microsoft.com/office/drawing/2017/decorative" val="1"/>
+              </a:ext>
+            </a:extLst>
+          </p:cNvPr>
+          <p:cNvSpPr>
+            <a:spLocks noGrp="1" noRot="1" noChangeAspect="1" noMove="1" noResize="1" noEditPoints="1" noAdjustHandles="1" noChangeArrowheads="1" noChangeShapeType="1" noTextEdit="1"/>
+          </p:cNvSpPr>
+          <p:nvPr>
+            <p:extLst>
+              <p:ext uri="{386F3935-93C4-4BCD-93E2-E3B085C9AB24}">
+                <p16:designElem xmlns:p16="http://schemas.microsoft.com/office/powerpoint/2015/main" val="1"/>
+              </p:ext>
+            </p:extLst>
+          </p:nvPr>
+        </p:nvSpPr>
+        <p:spPr>
+          <a:xfrm>
+            <a:off x="0" y="598458"/>
+            <a:ext cx="128016" cy="704088"/>
+          </a:xfrm>
+          <a:prstGeom prst="rect">
+            <a:avLst/>
+          </a:prstGeom>
+          <a:solidFill>
+            <a:schemeClr val="accent1"/>
+          </a:solidFill>
+          <a:ln>
+            <a:noFill/>
+          </a:ln>
+        </p:spPr>
+        <p:style>
+          <a:lnRef idx="2">
+            <a:schemeClr val="accent1">
+              <a:shade val="50000"/>
+            </a:schemeClr>
+          </a:lnRef>
+          <a:fillRef idx="1">
+            <a:schemeClr val="accent1"/>
+          </a:fillRef>
+          <a:effectRef idx="0">
+            <a:schemeClr val="accent1"/>
+          </a:effectRef>
+          <a:fontRef idx="minor">
+            <a:schemeClr val="lt1"/>
+          </a:fontRef>
+        </p:style>
+        <p:txBody>
+          <a:bodyPr rtlCol="0" anchor="ctr"/>
+          <a:lstStyle/>
+          <a:p>
+            <a:pPr marL="0" marR="0" lvl="0" indent="0" algn="ctr" defTabSz="914400" rtl="0" eaLnBrk="1" fontAlgn="auto" latinLnBrk="0" hangingPunct="1">
+              <a:lnSpc>
+                <a:spcPct val="100000"/>
+              </a:lnSpc>
+              <a:spcBef>
+                <a:spcPts val="0"/>
+              </a:spcBef>
+              <a:spcAft>
+                <a:spcPts val="0"/>
+              </a:spcAft>
+              <a:buClrTx/>
+              <a:buSzTx/>
+              <a:buFontTx/>
+              <a:buNone/>
+              <a:tabLst/>
+              <a:defRPr/>
+            </a:pPr>
+            <a:endParaRPr kumimoji="0" lang="en-US" sz="1800" b="0" i="0" u="none" strike="noStrike" kern="1200" cap="none" spc="0" normalizeH="0" baseline="0" noProof="0">
+              <a:ln>
+                <a:noFill/>
+              </a:ln>
+              <a:solidFill>
+                <a:prstClr val="white"/>
+              </a:solidFill>
+              <a:effectLst/>
+              <a:uLnTx/>
+              <a:uFillTx/>
+              <a:latin typeface="Calibri" panose="020F0502020204030204"/>
+              <a:ea typeface="+mn-ea"/>
+              <a:cs typeface="+mn-cs"/>
+            </a:endParaRPr>
+          </a:p>
+        </p:txBody>
+      </p:sp>
+      <p:pic>
+        <p:nvPicPr>
+          <p:cNvPr id="1027" name="Chart 1">
+            <a:extLst>
+              <a:ext uri="{FF2B5EF4-FFF2-40B4-BE49-F238E27FC236}">
+                <a16:creationId xmlns:a16="http://schemas.microsoft.com/office/drawing/2014/main" id="{F9E6530D-C19E-4F92-8FE5-B856EA8F414D}"/>
+              </a:ext>
+            </a:extLst>
+          </p:cNvPr>
+          <p:cNvPicPr>
+            <a:picLocks noChangeArrowheads="1"/>
+          </p:cNvPicPr>
+          <p:nvPr/>
+        </p:nvPicPr>
+        <p:blipFill>
+          <a:blip r:embed="rId2">
+            <a:extLst>
+              <a:ext uri="{28A0092B-C50C-407E-A947-70E740481C1C}">
+                <a14:useLocalDpi xmlns:a14="http://schemas.microsoft.com/office/drawing/2010/main" val="0"/>
+              </a:ext>
+            </a:extLst>
+          </a:blip>
+          <a:stretch>
+            <a:fillRect/>
+          </a:stretch>
+        </p:blipFill>
+        <p:spPr bwMode="auto">
+          <a:xfrm>
+            <a:off x="429768" y="2041933"/>
+            <a:ext cx="6702552" cy="3871414"/>
+          </a:xfrm>
+          <a:prstGeom prst="rect">
+            <a:avLst/>
+          </a:prstGeom>
+          <a:noFill/>
+          <a:extLst>
+            <a:ext uri="{909E8E84-426E-40DD-AFC4-6F175D3DCCD1}">
+              <a14:hiddenFill xmlns:a14="http://schemas.microsoft.com/office/drawing/2010/main">
+                <a:solidFill>
+                  <a:srgbClr val="FFFFFF"/>
+                </a:solidFill>
+              </a14:hiddenFill>
+            </a:ext>
+            <a:ext uri="{91240B29-F687-4F45-9708-019B960494DF}">
+              <a14:hiddenLine xmlns:a14="http://schemas.microsoft.com/office/drawing/2010/main" w="9525">
+                <a:solidFill>
+                  <a:srgbClr val="000000"/>
+                </a:solidFill>
+                <a:miter lim="800000"/>
+                <a:headEnd/>
+                <a:tailEnd/>
+              </a14:hiddenLine>
+            </a:ext>
+          </a:extLst>
+        </p:spPr>
+      </p:pic>
+      <p:sp useBgFill="1">
+        <p:nvSpPr>
+          <p:cNvPr id="1036" name="Rectangle 75">
+            <a:extLst>
+              <a:ext uri="{FF2B5EF4-FFF2-40B4-BE49-F238E27FC236}">
+                <a16:creationId xmlns:a16="http://schemas.microsoft.com/office/drawing/2014/main" id="{E5BBB0F9-6A59-4D02-A9C7-A2D6516684CE}"/>
+              </a:ext>
+              <a:ext uri="{C183D7F6-B498-43B3-948B-1728B52AA6E4}">
+                <adec:decorative xmlns:adec="http://schemas.microsoft.com/office/drawing/2017/decorative" val="1"/>
+              </a:ext>
+            </a:extLst>
+          </p:cNvPr>
+          <p:cNvSpPr>
+            <a:spLocks noGrp="1" noRot="1" noChangeAspect="1" noMove="1" noResize="1" noEditPoints="1" noAdjustHandles="1" noChangeArrowheads="1" noChangeShapeType="1" noTextEdit="1"/>
+          </p:cNvSpPr>
+          <p:nvPr>
+            <p:extLst>
+              <p:ext uri="{386F3935-93C4-4BCD-93E2-E3B085C9AB24}">
+                <p16:designElem xmlns:p16="http://schemas.microsoft.com/office/powerpoint/2015/main" val="1"/>
+              </p:ext>
+            </p:extLst>
+          </p:nvPr>
+        </p:nvSpPr>
+        <p:spPr>
+          <a:xfrm>
+            <a:off x="7543801" y="1721922"/>
+            <a:ext cx="4218432" cy="4520560"/>
+          </a:xfrm>
+          <a:prstGeom prst="rect">
+            <a:avLst/>
+          </a:prstGeom>
+          <a:ln w="9525">
+            <a:solidFill>
+              <a:schemeClr val="tx2">
+                <a:lumMod val="10000"/>
+                <a:lumOff val="90000"/>
+              </a:schemeClr>
+            </a:solidFill>
+          </a:ln>
+          <a:effectLst>
+            <a:outerShdw blurRad="50800" dist="38100" dir="2700000" algn="tl" rotWithShape="0">
+              <a:schemeClr val="bg1">
+                <a:lumMod val="85000"/>
+                <a:alpha val="30000"/>
+              </a:schemeClr>
+            </a:outerShdw>
+          </a:effectLst>
+        </p:spPr>
+        <p:style>
+          <a:lnRef idx="2">
+            <a:schemeClr val="accent1">
+              <a:shade val="50000"/>
+            </a:schemeClr>
+          </a:lnRef>
+          <a:fillRef idx="1">
+            <a:schemeClr val="accent1"/>
+          </a:fillRef>
+          <a:effectRef idx="0">
+            <a:schemeClr val="accent1"/>
+          </a:effectRef>
+          <a:fontRef idx="minor">
+            <a:schemeClr val="lt1"/>
+          </a:fontRef>
+        </p:style>
+        <p:txBody>
+          <a:bodyPr rtlCol="0" anchor="ctr"/>
+          <a:lstStyle/>
+          <a:p>
+            <a:pPr marL="0" marR="0" lvl="0" indent="0" algn="ctr" defTabSz="914400" rtl="0" eaLnBrk="1" fontAlgn="auto" latinLnBrk="0" hangingPunct="1">
+              <a:lnSpc>
+                <a:spcPct val="100000"/>
+              </a:lnSpc>
+              <a:spcBef>
+                <a:spcPts val="0"/>
+              </a:spcBef>
+              <a:spcAft>
+                <a:spcPts val="0"/>
+              </a:spcAft>
+              <a:buClrTx/>
+              <a:buSzTx/>
+              <a:buFontTx/>
+              <a:buNone/>
+              <a:tabLst/>
+              <a:defRPr/>
+            </a:pPr>
+            <a:endParaRPr kumimoji="0" lang="en-US" sz="1800" b="0" i="0" u="none" strike="noStrike" kern="1200" cap="none" spc="0" normalizeH="0" baseline="0" noProof="0">
+              <a:ln>
+                <a:noFill/>
+              </a:ln>
+              <a:solidFill>
+                <a:prstClr val="white"/>
+              </a:solidFill>
+              <a:effectLst/>
+              <a:uLnTx/>
+              <a:uFillTx/>
+              <a:latin typeface="Calibri" panose="020F0502020204030204"/>
+              <a:ea typeface="+mn-ea"/>
+              <a:cs typeface="+mn-cs"/>
+            </a:endParaRPr>
           </a:p>
         </p:txBody>
       </p:sp>
@@ -6602,12 +7067,28 @@
             <p:ph idx="1"/>
           </p:nvPr>
         </p:nvSpPr>
-        <p:spPr/>
-        <p:txBody>
-          <a:bodyPr/>
+        <p:spPr>
+          <a:xfrm>
+            <a:off x="7938752" y="2020824"/>
+            <a:ext cx="3455097" cy="3959352"/>
+          </a:xfrm>
+        </p:spPr>
+        <p:txBody>
+          <a:bodyPr anchor="ctr">
+            <a:normAutofit/>
+          </a:bodyPr>
           <a:lstStyle/>
           <a:p>
-            <a:endParaRPr lang="en-IN" dirty="0"/>
+            <a:r>
+              <a:rPr lang="en-IN" sz="1700"/>
+              <a:t>Total 40 times the experiments were ran.</a:t>
+            </a:r>
+          </a:p>
+          <a:p>
+            <a:r>
+              <a:rPr lang="en-IN" sz="1700"/>
+              <a:t>Maximum accuracy achieved was 83.3%</a:t>
+            </a:r>
           </a:p>
         </p:txBody>
       </p:sp>
